--- a/downloads/canvas/de/homepage-canvas.pptx
+++ b/downloads/canvas/de/homepage-canvas.pptx
@@ -1522,7 +1522,7 @@
                   <a:schemeClr val="tx1"/>
                 </a:solidFill>
               </a:rPr>
-              <a:t>// Platzhalter, fülle mich aus</a:t>
+              <a:t>// Platzhalter, fülle mich aus </a:t>
             </a:r>
           </a:p>
         </p:txBody>
